--- a/slides.pptx
+++ b/slides.pptx
@@ -5,14 +5,19 @@
     <p:sldMasterId id="2147483648" r:id="rId4"/>
   </p:sldMasterIdLst>
   <p:notesMasterIdLst>
-    <p:notesMasterId r:id="rId10"/>
+    <p:notesMasterId r:id="rId15"/>
   </p:notesMasterIdLst>
   <p:sldIdLst>
     <p:sldId id="259" r:id="rId5"/>
     <p:sldId id="260" r:id="rId6"/>
-    <p:sldId id="257" r:id="rId7"/>
-    <p:sldId id="258" r:id="rId8"/>
-    <p:sldId id="261" r:id="rId9"/>
+    <p:sldId id="262" r:id="rId7"/>
+    <p:sldId id="263" r:id="rId8"/>
+    <p:sldId id="266" r:id="rId9"/>
+    <p:sldId id="264" r:id="rId10"/>
+    <p:sldId id="265" r:id="rId11"/>
+    <p:sldId id="257" r:id="rId12"/>
+    <p:sldId id="258" r:id="rId13"/>
+    <p:sldId id="261" r:id="rId14"/>
   </p:sldIdLst>
   <p:sldSz cx="12192000" cy="6858000"/>
   <p:notesSz cx="6858000" cy="9144000"/>
@@ -111,6 +116,11 @@
       </a:defRPr>
     </a:lvl9pPr>
   </p:defaultTextStyle>
+  <p:extLst>
+    <p:ext uri="{EFAFB233-063F-42B5-8137-9DF3F51BA10A}">
+      <p15:sldGuideLst xmlns:p15="http://schemas.microsoft.com/office/powerpoint/2012/main"/>
+    </p:ext>
+  </p:extLst>
 </p:presentation>
 </file>
 
@@ -196,7 +206,7 @@
           <a:p>
             <a:fld id="{B0DE5026-52CB-4134-9B7F-730A741ED28B}" type="datetimeFigureOut">
               <a:rPr lang="en-US" smtClean="0"/>
-              <a:t>10/14/2019</a:t>
+              <a:t>10/15/2019</a:t>
             </a:fld>
             <a:endParaRPr lang="en-US"/>
           </a:p>
@@ -601,6 +611,45 @@
                 <a:ea typeface="+mn-ea"/>
                 <a:cs typeface="+mn-cs"/>
               </a:rPr>
+              <a:t>Heard of HTML Injection?</a:t>
+            </a:r>
+          </a:p>
+          <a:p>
+            <a:r>
+              <a:rPr lang="en-US" sz="1200" b="0" i="0" kern="1200" dirty="0">
+                <a:solidFill>
+                  <a:schemeClr val="tx1"/>
+                </a:solidFill>
+                <a:effectLst/>
+                <a:latin typeface="+mn-lt"/>
+                <a:ea typeface="+mn-ea"/>
+                <a:cs typeface="+mn-cs"/>
+              </a:rPr>
+              <a:t>How about XSS?</a:t>
+            </a:r>
+          </a:p>
+          <a:p>
+            <a:endParaRPr lang="en-US" sz="1200" b="0" i="0" kern="1200" dirty="0">
+              <a:solidFill>
+                <a:schemeClr val="tx1"/>
+              </a:solidFill>
+              <a:effectLst/>
+              <a:latin typeface="+mn-lt"/>
+              <a:ea typeface="+mn-ea"/>
+              <a:cs typeface="+mn-cs"/>
+            </a:endParaRPr>
+          </a:p>
+          <a:p>
+            <a:r>
+              <a:rPr lang="en-US" sz="1200" b="0" i="0" kern="1200" dirty="0">
+                <a:solidFill>
+                  <a:schemeClr val="tx1"/>
+                </a:solidFill>
+                <a:effectLst/>
+                <a:latin typeface="+mn-lt"/>
+                <a:ea typeface="+mn-ea"/>
+                <a:cs typeface="+mn-cs"/>
+              </a:rPr>
               <a:t>When a user can inject arbitrary HTML code into a web page.</a:t>
             </a:r>
           </a:p>
@@ -627,6 +676,150 @@
                 <a:cs typeface="+mn-cs"/>
               </a:rPr>
               <a:t>Typically used to inject scripts</a:t>
+            </a:r>
+            <a:br>
+              <a:rPr lang="en-US" sz="1200" b="0" i="0" kern="1200" dirty="0">
+                <a:solidFill>
+                  <a:schemeClr val="tx1"/>
+                </a:solidFill>
+                <a:effectLst/>
+                <a:latin typeface="+mn-lt"/>
+                <a:ea typeface="+mn-ea"/>
+                <a:cs typeface="+mn-cs"/>
+              </a:rPr>
+            </a:br>
+            <a:r>
+              <a:rPr lang="en-US" sz="1200" b="0" i="0" kern="1200" dirty="0">
+                <a:solidFill>
+                  <a:schemeClr val="tx1"/>
+                </a:solidFill>
+                <a:effectLst/>
+                <a:latin typeface="+mn-lt"/>
+                <a:ea typeface="+mn-ea"/>
+                <a:cs typeface="+mn-cs"/>
+              </a:rPr>
+              <a:t>Steal credentials, log keys, make API calls impersonating the user.</a:t>
+            </a:r>
+          </a:p>
+          <a:p>
+            <a:r>
+              <a:rPr lang="en-US" sz="1200" b="0" i="0" kern="1200" dirty="0">
+                <a:solidFill>
+                  <a:schemeClr val="tx1"/>
+                </a:solidFill>
+                <a:effectLst/>
+                <a:latin typeface="+mn-lt"/>
+                <a:ea typeface="+mn-ea"/>
+                <a:cs typeface="+mn-cs"/>
+              </a:rPr>
+              <a:t>On Docs, the user’s azure creds are in local storage.</a:t>
+            </a:r>
+          </a:p>
+          <a:p>
+            <a:r>
+              <a:rPr lang="en-US" sz="1200" b="0" i="0" kern="1200" dirty="0">
+                <a:solidFill>
+                  <a:schemeClr val="tx1"/>
+                </a:solidFill>
+                <a:effectLst/>
+                <a:latin typeface="+mn-lt"/>
+                <a:ea typeface="+mn-ea"/>
+                <a:cs typeface="+mn-cs"/>
+              </a:rPr>
+              <a:t>Learn features are driving more users to sign in.</a:t>
+            </a:r>
+          </a:p>
+          <a:p>
+            <a:r>
+              <a:rPr lang="en-US" sz="1200" b="0" i="0" kern="1200" dirty="0">
+                <a:solidFill>
+                  <a:schemeClr val="tx1"/>
+                </a:solidFill>
+                <a:effectLst/>
+                <a:latin typeface="+mn-lt"/>
+                <a:ea typeface="+mn-ea"/>
+                <a:cs typeface="+mn-cs"/>
+              </a:rPr>
+              <a:t>Potential impact is growing all the time.</a:t>
+            </a:r>
+          </a:p>
+          <a:p>
+            <a:r>
+              <a:rPr lang="en-US" sz="1200" b="0" i="0" kern="1200" dirty="0" err="1">
+                <a:solidFill>
+                  <a:schemeClr val="tx1"/>
+                </a:solidFill>
+                <a:effectLst/>
+                <a:latin typeface="+mn-lt"/>
+                <a:ea typeface="+mn-ea"/>
+                <a:cs typeface="+mn-cs"/>
+              </a:rPr>
+              <a:t>Persistable</a:t>
+            </a:r>
+            <a:r>
+              <a:rPr lang="en-US" sz="1200" b="0" i="0" kern="1200" dirty="0">
+                <a:solidFill>
+                  <a:schemeClr val="tx1"/>
+                </a:solidFill>
+                <a:effectLst/>
+                <a:latin typeface="+mn-lt"/>
+                <a:ea typeface="+mn-ea"/>
+                <a:cs typeface="+mn-cs"/>
+              </a:rPr>
+              <a:t>/shareable - As an attacker you want to be able to share a link to a page with your exploit as many users as possible</a:t>
+            </a:r>
+          </a:p>
+          <a:p>
+            <a:endParaRPr lang="en-US" sz="1200" b="0" i="0" kern="1200" dirty="0">
+              <a:solidFill>
+                <a:schemeClr val="tx1"/>
+              </a:solidFill>
+              <a:effectLst/>
+              <a:latin typeface="+mn-lt"/>
+              <a:ea typeface="+mn-ea"/>
+              <a:cs typeface="+mn-cs"/>
+            </a:endParaRPr>
+          </a:p>
+          <a:p>
+            <a:r>
+              <a:rPr lang="en-US" sz="1200" b="0" i="0" kern="1200" dirty="0">
+                <a:solidFill>
+                  <a:schemeClr val="tx1"/>
+                </a:solidFill>
+                <a:effectLst/>
+                <a:latin typeface="+mn-lt"/>
+                <a:ea typeface="+mn-ea"/>
+                <a:cs typeface="+mn-cs"/>
+              </a:rPr>
+              <a:t>I’m going to show you some of the bugs we’ve had in our **client side** rendering, and the coding patterns that enabled them.</a:t>
+            </a:r>
+          </a:p>
+          <a:p>
+            <a:r>
+              <a:rPr lang="en-US" sz="1200" b="0" i="0" kern="1200" dirty="0">
+                <a:solidFill>
+                  <a:schemeClr val="tx1"/>
+                </a:solidFill>
+                <a:effectLst/>
+                <a:latin typeface="+mn-lt"/>
+                <a:ea typeface="+mn-ea"/>
+                <a:cs typeface="+mn-cs"/>
+              </a:rPr>
+              <a:t>You’ll see that these types of bugs are very easy to cause.</a:t>
+            </a:r>
+          </a:p>
+          <a:p>
+            <a:r>
+              <a:rPr lang="en-US" sz="1200" b="0" i="0" kern="1200" dirty="0">
+                <a:solidFill>
+                  <a:schemeClr val="tx1"/>
+                </a:solidFill>
+                <a:effectLst/>
+                <a:latin typeface="+mn-lt"/>
+                <a:ea typeface="+mn-ea"/>
+                <a:cs typeface="+mn-cs"/>
+              </a:rPr>
+              <a:t>had a number of these bugs on docs</a:t>
             </a:r>
           </a:p>
           <a:p>
@@ -701,46 +894,6 @@
               <a:cs typeface="+mn-cs"/>
             </a:endParaRPr>
           </a:p>
-          <a:p>
-            <a:r>
-              <a:rPr lang="en-US" sz="1200" b="0" i="0" kern="1200" dirty="0">
-                <a:solidFill>
-                  <a:schemeClr val="tx1"/>
-                </a:solidFill>
-                <a:effectLst/>
-                <a:latin typeface="+mn-lt"/>
-                <a:ea typeface="+mn-ea"/>
-                <a:cs typeface="+mn-cs"/>
-              </a:rPr>
-              <a:t>XSS consequences</a:t>
-            </a:r>
-          </a:p>
-          <a:p>
-            <a:endParaRPr lang="en-US" sz="1200" b="0" i="0" kern="1200" dirty="0">
-              <a:solidFill>
-                <a:schemeClr val="tx1"/>
-              </a:solidFill>
-              <a:effectLst/>
-              <a:latin typeface="+mn-lt"/>
-              <a:ea typeface="+mn-ea"/>
-              <a:cs typeface="+mn-cs"/>
-            </a:endParaRPr>
-          </a:p>
-          <a:p>
-            <a:r>
-              <a:rPr lang="en-US" sz="1200" b="0" i="0" kern="1200" dirty="0" err="1">
-                <a:solidFill>
-                  <a:schemeClr val="tx1"/>
-                </a:solidFill>
-                <a:effectLst/>
-                <a:latin typeface="+mn-lt"/>
-                <a:ea typeface="+mn-ea"/>
-                <a:cs typeface="+mn-cs"/>
-              </a:rPr>
-              <a:t>Sharability</a:t>
-            </a:r>
-            <a:endParaRPr lang="en-US" dirty="0"/>
-          </a:p>
         </p:txBody>
       </p:sp>
       <p:sp>
@@ -770,6 +923,303 @@
     <p:extLst>
       <p:ext uri="{BB962C8B-B14F-4D97-AF65-F5344CB8AC3E}">
         <p14:creationId xmlns:p14="http://schemas.microsoft.com/office/powerpoint/2010/main" val="609755572"/>
+      </p:ext>
+    </p:extLst>
+  </p:cSld>
+  <p:clrMapOvr>
+    <a:masterClrMapping/>
+  </p:clrMapOvr>
+</p:notes>
+</file>
+
+<file path=ppt/notesSlides/notesSlide3.xml><?xml version="1.0" encoding="utf-8"?>
+<p:notes xmlns:a="http://schemas.openxmlformats.org/drawingml/2006/main" xmlns:r="http://schemas.openxmlformats.org/officeDocument/2006/relationships" xmlns:p="http://schemas.openxmlformats.org/presentationml/2006/main">
+  <p:cSld>
+    <p:spTree>
+      <p:nvGrpSpPr>
+        <p:cNvPr id="1" name=""/>
+        <p:cNvGrpSpPr/>
+        <p:nvPr/>
+      </p:nvGrpSpPr>
+      <p:grpSpPr>
+        <a:xfrm>
+          <a:off x="0" y="0"/>
+          <a:ext cx="0" cy="0"/>
+          <a:chOff x="0" y="0"/>
+          <a:chExt cx="0" cy="0"/>
+        </a:xfrm>
+      </p:grpSpPr>
+      <p:sp>
+        <p:nvSpPr>
+          <p:cNvPr id="2" name="Slide Image Placeholder 1"/>
+          <p:cNvSpPr>
+            <a:spLocks noGrp="1" noRot="1" noChangeAspect="1"/>
+          </p:cNvSpPr>
+          <p:nvPr>
+            <p:ph type="sldImg"/>
+          </p:nvPr>
+        </p:nvSpPr>
+        <p:spPr/>
+      </p:sp>
+      <p:sp>
+        <p:nvSpPr>
+          <p:cNvPr id="3" name="Notes Placeholder 2"/>
+          <p:cNvSpPr>
+            <a:spLocks noGrp="1"/>
+          </p:cNvSpPr>
+          <p:nvPr>
+            <p:ph type="body" idx="1"/>
+          </p:nvPr>
+        </p:nvSpPr>
+        <p:spPr/>
+        <p:txBody>
+          <a:bodyPr/>
+          <a:lstStyle/>
+          <a:p>
+            <a:r>
+              <a:rPr lang="en-US" dirty="0"/>
+              <a:t>Conceptual &amp; Reference – common pages</a:t>
+            </a:r>
+          </a:p>
+        </p:txBody>
+      </p:sp>
+      <p:sp>
+        <p:nvSpPr>
+          <p:cNvPr id="4" name="Slide Number Placeholder 3"/>
+          <p:cNvSpPr>
+            <a:spLocks noGrp="1"/>
+          </p:cNvSpPr>
+          <p:nvPr>
+            <p:ph type="sldNum" sz="quarter" idx="5"/>
+          </p:nvPr>
+        </p:nvSpPr>
+        <p:spPr/>
+        <p:txBody>
+          <a:bodyPr/>
+          <a:lstStyle/>
+          <a:p>
+            <a:fld id="{A066C2AE-2382-4201-BED1-82C95607CC00}" type="slidenum">
+              <a:rPr lang="en-US" smtClean="0"/>
+              <a:t>3</a:t>
+            </a:fld>
+            <a:endParaRPr lang="en-US"/>
+          </a:p>
+        </p:txBody>
+      </p:sp>
+    </p:spTree>
+    <p:extLst>
+      <p:ext uri="{BB962C8B-B14F-4D97-AF65-F5344CB8AC3E}">
+        <p14:creationId xmlns:p14="http://schemas.microsoft.com/office/powerpoint/2010/main" val="4139463051"/>
+      </p:ext>
+    </p:extLst>
+  </p:cSld>
+  <p:clrMapOvr>
+    <a:masterClrMapping/>
+  </p:clrMapOvr>
+</p:notes>
+</file>
+
+<file path=ppt/notesSlides/notesSlide4.xml><?xml version="1.0" encoding="utf-8"?>
+<p:notes xmlns:a="http://schemas.openxmlformats.org/drawingml/2006/main" xmlns:r="http://schemas.openxmlformats.org/officeDocument/2006/relationships" xmlns:p="http://schemas.openxmlformats.org/presentationml/2006/main">
+  <p:cSld>
+    <p:spTree>
+      <p:nvGrpSpPr>
+        <p:cNvPr id="1" name=""/>
+        <p:cNvGrpSpPr/>
+        <p:nvPr/>
+      </p:nvGrpSpPr>
+      <p:grpSpPr>
+        <a:xfrm>
+          <a:off x="0" y="0"/>
+          <a:ext cx="0" cy="0"/>
+          <a:chOff x="0" y="0"/>
+          <a:chExt cx="0" cy="0"/>
+        </a:xfrm>
+      </p:grpSpPr>
+      <p:sp>
+        <p:nvSpPr>
+          <p:cNvPr id="2" name="Slide Image Placeholder 1"/>
+          <p:cNvSpPr>
+            <a:spLocks noGrp="1" noRot="1" noChangeAspect="1"/>
+          </p:cNvSpPr>
+          <p:nvPr>
+            <p:ph type="sldImg"/>
+          </p:nvPr>
+        </p:nvSpPr>
+        <p:spPr/>
+      </p:sp>
+      <p:sp>
+        <p:nvSpPr>
+          <p:cNvPr id="3" name="Notes Placeholder 2"/>
+          <p:cNvSpPr>
+            <a:spLocks noGrp="1"/>
+          </p:cNvSpPr>
+          <p:nvPr>
+            <p:ph type="body" idx="1"/>
+          </p:nvPr>
+        </p:nvSpPr>
+        <p:spPr/>
+        <p:txBody>
+          <a:bodyPr/>
+          <a:lstStyle/>
+          <a:p>
+            <a:r>
+              <a:rPr lang="en-US" dirty="0"/>
+              <a:t>Profile</a:t>
+            </a:r>
+          </a:p>
+          <a:p>
+            <a:r>
+              <a:rPr lang="en-US" dirty="0"/>
+              <a:t>Several bugs</a:t>
+            </a:r>
+          </a:p>
+          <a:p>
+            <a:endParaRPr lang="en-US" dirty="0"/>
+          </a:p>
+          <a:p>
+            <a:r>
+              <a:rPr lang="en-US" dirty="0"/>
+              <a:t>Crafting a display name to inject html, sharing on twitter</a:t>
+            </a:r>
+          </a:p>
+        </p:txBody>
+      </p:sp>
+      <p:sp>
+        <p:nvSpPr>
+          <p:cNvPr id="4" name="Slide Number Placeholder 3"/>
+          <p:cNvSpPr>
+            <a:spLocks noGrp="1"/>
+          </p:cNvSpPr>
+          <p:nvPr>
+            <p:ph type="sldNum" sz="quarter" idx="5"/>
+          </p:nvPr>
+        </p:nvSpPr>
+        <p:spPr/>
+        <p:txBody>
+          <a:bodyPr/>
+          <a:lstStyle/>
+          <a:p>
+            <a:fld id="{A066C2AE-2382-4201-BED1-82C95607CC00}" type="slidenum">
+              <a:rPr lang="en-US" smtClean="0"/>
+              <a:t>4</a:t>
+            </a:fld>
+            <a:endParaRPr lang="en-US"/>
+          </a:p>
+        </p:txBody>
+      </p:sp>
+    </p:spTree>
+    <p:extLst>
+      <p:ext uri="{BB962C8B-B14F-4D97-AF65-F5344CB8AC3E}">
+        <p14:creationId xmlns:p14="http://schemas.microsoft.com/office/powerpoint/2010/main" val="3810812422"/>
+      </p:ext>
+    </p:extLst>
+  </p:cSld>
+  <p:clrMapOvr>
+    <a:masterClrMapping/>
+  </p:clrMapOvr>
+</p:notes>
+</file>
+
+<file path=ppt/notesSlides/notesSlide5.xml><?xml version="1.0" encoding="utf-8"?>
+<p:notes xmlns:a="http://schemas.openxmlformats.org/drawingml/2006/main" xmlns:r="http://schemas.openxmlformats.org/officeDocument/2006/relationships" xmlns:p="http://schemas.openxmlformats.org/presentationml/2006/main">
+  <p:cSld>
+    <p:spTree>
+      <p:nvGrpSpPr>
+        <p:cNvPr id="1" name=""/>
+        <p:cNvGrpSpPr/>
+        <p:nvPr/>
+      </p:nvGrpSpPr>
+      <p:grpSpPr>
+        <a:xfrm>
+          <a:off x="0" y="0"/>
+          <a:ext cx="0" cy="0"/>
+          <a:chOff x="0" y="0"/>
+          <a:chExt cx="0" cy="0"/>
+        </a:xfrm>
+      </p:grpSpPr>
+      <p:sp>
+        <p:nvSpPr>
+          <p:cNvPr id="2" name="Slide Image Placeholder 1"/>
+          <p:cNvSpPr>
+            <a:spLocks noGrp="1" noRot="1" noChangeAspect="1"/>
+          </p:cNvSpPr>
+          <p:nvPr>
+            <p:ph type="sldImg"/>
+          </p:nvPr>
+        </p:nvSpPr>
+        <p:spPr/>
+      </p:sp>
+      <p:sp>
+        <p:nvSpPr>
+          <p:cNvPr id="3" name="Notes Placeholder 2"/>
+          <p:cNvSpPr>
+            <a:spLocks noGrp="1"/>
+          </p:cNvSpPr>
+          <p:nvPr>
+            <p:ph type="body" idx="1"/>
+          </p:nvPr>
+        </p:nvSpPr>
+        <p:spPr/>
+        <p:txBody>
+          <a:bodyPr/>
+          <a:lstStyle/>
+          <a:p>
+            <a:r>
+              <a:rPr lang="en-US" dirty="0"/>
+              <a:t>Not always input, it can be lack of input.</a:t>
+            </a:r>
+          </a:p>
+          <a:p>
+            <a:endParaRPr lang="en-US" dirty="0"/>
+          </a:p>
+          <a:p>
+            <a:r>
+              <a:rPr lang="en-US"/>
+              <a:t>Osmond </a:t>
+            </a:r>
+            <a:r>
+              <a:rPr lang="en-US" dirty="0"/>
+              <a:t>chose a display name that took advantage of a bug in our function to retrieve the docs user id from the </a:t>
+            </a:r>
+            <a:r>
+              <a:rPr lang="en-US" dirty="0" err="1"/>
+              <a:t>url</a:t>
+            </a:r>
+            <a:r>
+              <a:rPr lang="en-US" dirty="0"/>
+              <a:t>.</a:t>
+            </a:r>
+          </a:p>
+        </p:txBody>
+      </p:sp>
+      <p:sp>
+        <p:nvSpPr>
+          <p:cNvPr id="4" name="Slide Number Placeholder 3"/>
+          <p:cNvSpPr>
+            <a:spLocks noGrp="1"/>
+          </p:cNvSpPr>
+          <p:nvPr>
+            <p:ph type="sldNum" sz="quarter" idx="5"/>
+          </p:nvPr>
+        </p:nvSpPr>
+        <p:spPr/>
+        <p:txBody>
+          <a:bodyPr/>
+          <a:lstStyle/>
+          <a:p>
+            <a:fld id="{A066C2AE-2382-4201-BED1-82C95607CC00}" type="slidenum">
+              <a:rPr lang="en-US" smtClean="0"/>
+              <a:t>5</a:t>
+            </a:fld>
+            <a:endParaRPr lang="en-US"/>
+          </a:p>
+        </p:txBody>
+      </p:sp>
+    </p:spTree>
+    <p:extLst>
+      <p:ext uri="{BB962C8B-B14F-4D97-AF65-F5344CB8AC3E}">
+        <p14:creationId xmlns:p14="http://schemas.microsoft.com/office/powerpoint/2010/main" val="3916575965"/>
       </p:ext>
     </p:extLst>
   </p:cSld>
@@ -926,7 +1376,7 @@
           <a:p>
             <a:fld id="{2B8F6CAD-C5F8-424C-8463-487D0A817115}" type="datetimeFigureOut">
               <a:rPr lang="en-US" smtClean="0"/>
-              <a:t>10/14/2019</a:t>
+              <a:t>10/15/2019</a:t>
             </a:fld>
             <a:endParaRPr lang="en-US"/>
           </a:p>
@@ -1124,7 +1574,7 @@
           <a:p>
             <a:fld id="{2B8F6CAD-C5F8-424C-8463-487D0A817115}" type="datetimeFigureOut">
               <a:rPr lang="en-US" smtClean="0"/>
-              <a:t>10/14/2019</a:t>
+              <a:t>10/15/2019</a:t>
             </a:fld>
             <a:endParaRPr lang="en-US"/>
           </a:p>
@@ -1332,7 +1782,7 @@
           <a:p>
             <a:fld id="{2B8F6CAD-C5F8-424C-8463-487D0A817115}" type="datetimeFigureOut">
               <a:rPr lang="en-US" smtClean="0"/>
-              <a:t>10/14/2019</a:t>
+              <a:t>10/15/2019</a:t>
             </a:fld>
             <a:endParaRPr lang="en-US"/>
           </a:p>
@@ -1530,7 +1980,7 @@
           <a:p>
             <a:fld id="{2B8F6CAD-C5F8-424C-8463-487D0A817115}" type="datetimeFigureOut">
               <a:rPr lang="en-US" smtClean="0"/>
-              <a:t>10/14/2019</a:t>
+              <a:t>10/15/2019</a:t>
             </a:fld>
             <a:endParaRPr lang="en-US"/>
           </a:p>
@@ -1805,7 +2255,7 @@
           <a:p>
             <a:fld id="{2B8F6CAD-C5F8-424C-8463-487D0A817115}" type="datetimeFigureOut">
               <a:rPr lang="en-US" smtClean="0"/>
-              <a:t>10/14/2019</a:t>
+              <a:t>10/15/2019</a:t>
             </a:fld>
             <a:endParaRPr lang="en-US"/>
           </a:p>
@@ -2070,7 +2520,7 @@
           <a:p>
             <a:fld id="{2B8F6CAD-C5F8-424C-8463-487D0A817115}" type="datetimeFigureOut">
               <a:rPr lang="en-US" smtClean="0"/>
-              <a:t>10/14/2019</a:t>
+              <a:t>10/15/2019</a:t>
             </a:fld>
             <a:endParaRPr lang="en-US"/>
           </a:p>
@@ -2482,7 +2932,7 @@
           <a:p>
             <a:fld id="{2B8F6CAD-C5F8-424C-8463-487D0A817115}" type="datetimeFigureOut">
               <a:rPr lang="en-US" smtClean="0"/>
-              <a:t>10/14/2019</a:t>
+              <a:t>10/15/2019</a:t>
             </a:fld>
             <a:endParaRPr lang="en-US"/>
           </a:p>
@@ -2623,7 +3073,7 @@
           <a:p>
             <a:fld id="{2B8F6CAD-C5F8-424C-8463-487D0A817115}" type="datetimeFigureOut">
               <a:rPr lang="en-US" smtClean="0"/>
-              <a:t>10/14/2019</a:t>
+              <a:t>10/15/2019</a:t>
             </a:fld>
             <a:endParaRPr lang="en-US"/>
           </a:p>
@@ -2736,7 +3186,7 @@
           <a:p>
             <a:fld id="{2B8F6CAD-C5F8-424C-8463-487D0A817115}" type="datetimeFigureOut">
               <a:rPr lang="en-US" smtClean="0"/>
-              <a:t>10/14/2019</a:t>
+              <a:t>10/15/2019</a:t>
             </a:fld>
             <a:endParaRPr lang="en-US"/>
           </a:p>
@@ -3047,7 +3497,7 @@
           <a:p>
             <a:fld id="{2B8F6CAD-C5F8-424C-8463-487D0A817115}" type="datetimeFigureOut">
               <a:rPr lang="en-US" smtClean="0"/>
-              <a:t>10/14/2019</a:t>
+              <a:t>10/15/2019</a:t>
             </a:fld>
             <a:endParaRPr lang="en-US"/>
           </a:p>
@@ -3335,7 +3785,7 @@
           <a:p>
             <a:fld id="{2B8F6CAD-C5F8-424C-8463-487D0A817115}" type="datetimeFigureOut">
               <a:rPr lang="en-US" smtClean="0"/>
-              <a:t>10/14/2019</a:t>
+              <a:t>10/15/2019</a:t>
             </a:fld>
             <a:endParaRPr lang="en-US"/>
           </a:p>
@@ -3576,7 +4026,7 @@
           <a:p>
             <a:fld id="{2B8F6CAD-C5F8-424C-8463-487D0A817115}" type="datetimeFigureOut">
               <a:rPr lang="en-US" smtClean="0"/>
-              <a:t>10/14/2019</a:t>
+              <a:t>10/15/2019</a:t>
             </a:fld>
             <a:endParaRPr lang="en-US"/>
           </a:p>
@@ -4088,6 +4538,118 @@
 </p:sld>
 </file>
 
+<file path=ppt/slides/slide10.xml><?xml version="1.0" encoding="utf-8"?>
+<p:sld xmlns:a="http://schemas.openxmlformats.org/drawingml/2006/main" xmlns:r="http://schemas.openxmlformats.org/officeDocument/2006/relationships" xmlns:p="http://schemas.openxmlformats.org/presentationml/2006/main">
+  <p:cSld>
+    <p:spTree>
+      <p:nvGrpSpPr>
+        <p:cNvPr id="1" name=""/>
+        <p:cNvGrpSpPr/>
+        <p:nvPr/>
+      </p:nvGrpSpPr>
+      <p:grpSpPr>
+        <a:xfrm>
+          <a:off x="0" y="0"/>
+          <a:ext cx="0" cy="0"/>
+          <a:chOff x="0" y="0"/>
+          <a:chExt cx="0" cy="0"/>
+        </a:xfrm>
+      </p:grpSpPr>
+      <p:sp>
+        <p:nvSpPr>
+          <p:cNvPr id="4" name="TextBox 3">
+            <a:extLst>
+              <a:ext uri="{FF2B5EF4-FFF2-40B4-BE49-F238E27FC236}">
+                <a16:creationId xmlns:a16="http://schemas.microsoft.com/office/drawing/2014/main" id="{58993ACA-A8B3-4143-847F-747B358687F5}"/>
+              </a:ext>
+            </a:extLst>
+          </p:cNvPr>
+          <p:cNvSpPr txBox="1"/>
+          <p:nvPr/>
+        </p:nvSpPr>
+        <p:spPr>
+          <a:xfrm>
+            <a:off x="2165684" y="894347"/>
+            <a:ext cx="4527013" cy="923330"/>
+          </a:xfrm>
+          <a:prstGeom prst="rect">
+            <a:avLst/>
+          </a:prstGeom>
+          <a:noFill/>
+        </p:spPr>
+        <p:txBody>
+          <a:bodyPr wrap="square" rtlCol="0">
+            <a:spAutoFit/>
+          </a:bodyPr>
+          <a:lstStyle/>
+          <a:p>
+            <a:r>
+              <a:rPr lang="en-US" sz="5400" dirty="0"/>
+              <a:t>Open Redirects </a:t>
+            </a:r>
+          </a:p>
+        </p:txBody>
+      </p:sp>
+      <p:pic>
+        <p:nvPicPr>
+          <p:cNvPr id="5122" name="Picture 2">
+            <a:extLst>
+              <a:ext uri="{FF2B5EF4-FFF2-40B4-BE49-F238E27FC236}">
+                <a16:creationId xmlns:a16="http://schemas.microsoft.com/office/drawing/2014/main" id="{F438E772-9060-4DE3-815C-46D0A171CB9C}"/>
+              </a:ext>
+            </a:extLst>
+          </p:cNvPr>
+          <p:cNvPicPr>
+            <a:picLocks noChangeAspect="1" noChangeArrowheads="1"/>
+          </p:cNvPicPr>
+          <p:nvPr/>
+        </p:nvPicPr>
+        <p:blipFill>
+          <a:blip r:embed="rId2">
+            <a:extLst>
+              <a:ext uri="{28A0092B-C50C-407E-A947-70E740481C1C}">
+                <a14:useLocalDpi xmlns:a14="http://schemas.microsoft.com/office/drawing/2010/main" val="0"/>
+              </a:ext>
+            </a:extLst>
+          </a:blip>
+          <a:srcRect/>
+          <a:stretch>
+            <a:fillRect/>
+          </a:stretch>
+        </p:blipFill>
+        <p:spPr bwMode="auto">
+          <a:xfrm>
+            <a:off x="3596422" y="2374232"/>
+            <a:ext cx="6979174" cy="4106027"/>
+          </a:xfrm>
+          <a:prstGeom prst="rect">
+            <a:avLst/>
+          </a:prstGeom>
+          <a:noFill/>
+          <a:extLst>
+            <a:ext uri="{909E8E84-426E-40DD-AFC4-6F175D3DCCD1}">
+              <a14:hiddenFill xmlns:a14="http://schemas.microsoft.com/office/drawing/2010/main">
+                <a:solidFill>
+                  <a:srgbClr val="FFFFFF"/>
+                </a:solidFill>
+              </a14:hiddenFill>
+            </a:ext>
+          </a:extLst>
+        </p:spPr>
+      </p:pic>
+    </p:spTree>
+    <p:extLst>
+      <p:ext uri="{BB962C8B-B14F-4D97-AF65-F5344CB8AC3E}">
+        <p14:creationId xmlns:p14="http://schemas.microsoft.com/office/powerpoint/2010/main" val="1565296409"/>
+      </p:ext>
+    </p:extLst>
+  </p:cSld>
+  <p:clrMapOvr>
+    <a:masterClrMapping/>
+  </p:clrMapOvr>
+</p:sld>
+</file>
+
 <file path=ppt/slides/slide2.xml><?xml version="1.0" encoding="utf-8"?>
 <p:sld xmlns:a="http://schemas.openxmlformats.org/drawingml/2006/main" xmlns:r="http://schemas.openxmlformats.org/officeDocument/2006/relationships" xmlns:p="http://schemas.openxmlformats.org/presentationml/2006/main">
   <p:cSld>
@@ -4325,75 +4887,38 @@
       </p:grpSpPr>
       <p:pic>
         <p:nvPicPr>
-          <p:cNvPr id="4" name="Content Placeholder 3">
-            <a:extLst>
-              <a:ext uri="{FF2B5EF4-FFF2-40B4-BE49-F238E27FC236}">
-                <a16:creationId xmlns:a16="http://schemas.microsoft.com/office/drawing/2014/main" id="{B7EF180A-3AB2-4A96-B26B-8ECE181BE7EB}"/>
+          <p:cNvPr id="5" name="Picture 4">
+            <a:extLst>
+              <a:ext uri="{FF2B5EF4-FFF2-40B4-BE49-F238E27FC236}">
+                <a16:creationId xmlns:a16="http://schemas.microsoft.com/office/drawing/2014/main" id="{BFEE97A7-44E0-4C6A-BCC5-2559F117C8A0}"/>
               </a:ext>
             </a:extLst>
           </p:cNvPr>
           <p:cNvPicPr>
-            <a:picLocks noGrp="1" noChangeAspect="1"/>
+            <a:picLocks noChangeAspect="1"/>
           </p:cNvPicPr>
-          <p:nvPr>
-            <p:ph idx="1"/>
-          </p:nvPr>
+          <p:nvPr/>
         </p:nvPicPr>
         <p:blipFill>
-          <a:blip r:embed="rId2"/>
+          <a:blip r:embed="rId3"/>
           <a:stretch>
             <a:fillRect/>
           </a:stretch>
         </p:blipFill>
         <p:spPr>
           <a:xfrm>
-            <a:off x="4278227" y="0"/>
-            <a:ext cx="5314950" cy="6856286"/>
+            <a:off x="321607" y="0"/>
+            <a:ext cx="11548785" cy="6858000"/>
           </a:xfrm>
           <a:prstGeom prst="rect">
             <a:avLst/>
           </a:prstGeom>
         </p:spPr>
       </p:pic>
-      <p:sp>
-        <p:nvSpPr>
-          <p:cNvPr id="5" name="TextBox 4">
-            <a:extLst>
-              <a:ext uri="{FF2B5EF4-FFF2-40B4-BE49-F238E27FC236}">
-                <a16:creationId xmlns:a16="http://schemas.microsoft.com/office/drawing/2014/main" id="{FCD98074-A917-4B7F-98C0-2C47B252F6E8}"/>
-              </a:ext>
-            </a:extLst>
-          </p:cNvPr>
-          <p:cNvSpPr txBox="1"/>
-          <p:nvPr/>
-        </p:nvSpPr>
-        <p:spPr>
-          <a:xfrm>
-            <a:off x="561713" y="2336635"/>
-            <a:ext cx="6315337" cy="707886"/>
-          </a:xfrm>
-          <a:prstGeom prst="rect">
-            <a:avLst/>
-          </a:prstGeom>
-          <a:noFill/>
-        </p:spPr>
-        <p:txBody>
-          <a:bodyPr wrap="square" rtlCol="0">
-            <a:spAutoFit/>
-          </a:bodyPr>
-          <a:lstStyle/>
-          <a:p>
-            <a:r>
-              <a:rPr lang="en-US" sz="4000" dirty="0"/>
-              <a:t>Evolution</a:t>
-            </a:r>
-          </a:p>
-        </p:txBody>
-      </p:sp>
     </p:spTree>
     <p:extLst>
       <p:ext uri="{BB962C8B-B14F-4D97-AF65-F5344CB8AC3E}">
-        <p14:creationId xmlns:p14="http://schemas.microsoft.com/office/powerpoint/2010/main" val="835234786"/>
+        <p14:creationId xmlns:p14="http://schemas.microsoft.com/office/powerpoint/2010/main" val="3569848622"/>
       </p:ext>
     </p:extLst>
   </p:cSld>
@@ -4425,7 +4950,7 @@
           <p:cNvPr id="4" name="Picture 3">
             <a:extLst>
               <a:ext uri="{FF2B5EF4-FFF2-40B4-BE49-F238E27FC236}">
-                <a16:creationId xmlns:a16="http://schemas.microsoft.com/office/drawing/2014/main" id="{E0BB0CDA-9367-43BB-B770-651B61E52149}"/>
+                <a16:creationId xmlns:a16="http://schemas.microsoft.com/office/drawing/2014/main" id="{BCD33A37-ACE6-4A0F-8664-3427BFEBD261}"/>
               </a:ext>
             </a:extLst>
           </p:cNvPr>
@@ -4435,61 +4960,25 @@
           <p:nvPr/>
         </p:nvPicPr>
         <p:blipFill>
-          <a:blip r:embed="rId2"/>
+          <a:blip r:embed="rId3"/>
           <a:stretch>
             <a:fillRect/>
           </a:stretch>
         </p:blipFill>
         <p:spPr>
           <a:xfrm>
-            <a:off x="3694784" y="0"/>
-            <a:ext cx="7980218" cy="6858000"/>
+            <a:off x="321607" y="0"/>
+            <a:ext cx="11548785" cy="6858000"/>
           </a:xfrm>
           <a:prstGeom prst="rect">
             <a:avLst/>
           </a:prstGeom>
         </p:spPr>
       </p:pic>
-      <p:sp>
-        <p:nvSpPr>
-          <p:cNvPr id="5" name="TextBox 4">
-            <a:extLst>
-              <a:ext uri="{FF2B5EF4-FFF2-40B4-BE49-F238E27FC236}">
-                <a16:creationId xmlns:a16="http://schemas.microsoft.com/office/drawing/2014/main" id="{2DCCAE45-BBCE-41D3-8667-5AD679BC3022}"/>
-              </a:ext>
-            </a:extLst>
-          </p:cNvPr>
-          <p:cNvSpPr txBox="1"/>
-          <p:nvPr/>
-        </p:nvSpPr>
-        <p:spPr>
-          <a:xfrm>
-            <a:off x="546621" y="2875402"/>
-            <a:ext cx="2648270" cy="707886"/>
-          </a:xfrm>
-          <a:prstGeom prst="rect">
-            <a:avLst/>
-          </a:prstGeom>
-          <a:noFill/>
-        </p:spPr>
-        <p:txBody>
-          <a:bodyPr wrap="square" rtlCol="0">
-            <a:spAutoFit/>
-          </a:bodyPr>
-          <a:lstStyle/>
-          <a:p>
-            <a:pPr algn="ctr"/>
-            <a:r>
-              <a:rPr lang="en-US" sz="4000" dirty="0"/>
-              <a:t>DOM APIs</a:t>
-            </a:r>
-          </a:p>
-        </p:txBody>
-      </p:sp>
     </p:spTree>
     <p:extLst>
       <p:ext uri="{BB962C8B-B14F-4D97-AF65-F5344CB8AC3E}">
-        <p14:creationId xmlns:p14="http://schemas.microsoft.com/office/powerpoint/2010/main" val="1150810397"/>
+        <p14:creationId xmlns:p14="http://schemas.microsoft.com/office/powerpoint/2010/main" val="427946838"/>
       </p:ext>
     </p:extLst>
   </p:cSld>
@@ -4516,12 +5005,224 @@
           <a:chExt cx="0" cy="0"/>
         </a:xfrm>
       </p:grpSpPr>
-      <p:sp>
-        <p:nvSpPr>
-          <p:cNvPr id="4" name="TextBox 3">
-            <a:extLst>
-              <a:ext uri="{FF2B5EF4-FFF2-40B4-BE49-F238E27FC236}">
-                <a16:creationId xmlns:a16="http://schemas.microsoft.com/office/drawing/2014/main" id="{58993ACA-A8B3-4143-847F-747B358687F5}"/>
+      <p:pic>
+        <p:nvPicPr>
+          <p:cNvPr id="4" name="Picture 3">
+            <a:extLst>
+              <a:ext uri="{FF2B5EF4-FFF2-40B4-BE49-F238E27FC236}">
+                <a16:creationId xmlns:a16="http://schemas.microsoft.com/office/drawing/2014/main" id="{A9C72873-97D7-4E0C-9BA6-C6FDFCA58736}"/>
+              </a:ext>
+            </a:extLst>
+          </p:cNvPr>
+          <p:cNvPicPr>
+            <a:picLocks noChangeAspect="1"/>
+          </p:cNvPicPr>
+          <p:nvPr/>
+        </p:nvPicPr>
+        <p:blipFill>
+          <a:blip r:embed="rId3"/>
+          <a:stretch>
+            <a:fillRect/>
+          </a:stretch>
+        </p:blipFill>
+        <p:spPr>
+          <a:xfrm>
+            <a:off x="0" y="0"/>
+            <a:ext cx="14426789" cy="8662737"/>
+          </a:xfrm>
+          <a:prstGeom prst="rect">
+            <a:avLst/>
+          </a:prstGeom>
+        </p:spPr>
+      </p:pic>
+    </p:spTree>
+    <p:extLst>
+      <p:ext uri="{BB962C8B-B14F-4D97-AF65-F5344CB8AC3E}">
+        <p14:creationId xmlns:p14="http://schemas.microsoft.com/office/powerpoint/2010/main" val="1487758933"/>
+      </p:ext>
+    </p:extLst>
+  </p:cSld>
+  <p:clrMapOvr>
+    <a:masterClrMapping/>
+  </p:clrMapOvr>
+</p:sld>
+</file>
+
+<file path=ppt/slides/slide6.xml><?xml version="1.0" encoding="utf-8"?>
+<p:sld xmlns:a="http://schemas.openxmlformats.org/drawingml/2006/main" xmlns:r="http://schemas.openxmlformats.org/officeDocument/2006/relationships" xmlns:p="http://schemas.openxmlformats.org/presentationml/2006/main">
+  <p:cSld>
+    <p:spTree>
+      <p:nvGrpSpPr>
+        <p:cNvPr id="1" name=""/>
+        <p:cNvGrpSpPr/>
+        <p:nvPr/>
+      </p:nvGrpSpPr>
+      <p:grpSpPr>
+        <a:xfrm>
+          <a:off x="0" y="0"/>
+          <a:ext cx="0" cy="0"/>
+          <a:chOff x="0" y="0"/>
+          <a:chExt cx="0" cy="0"/>
+        </a:xfrm>
+      </p:grpSpPr>
+      <p:pic>
+        <p:nvPicPr>
+          <p:cNvPr id="4" name="Picture 3">
+            <a:extLst>
+              <a:ext uri="{FF2B5EF4-FFF2-40B4-BE49-F238E27FC236}">
+                <a16:creationId xmlns:a16="http://schemas.microsoft.com/office/drawing/2014/main" id="{6F51636A-AAF4-421D-9B9D-933B9E67A7B6}"/>
+              </a:ext>
+            </a:extLst>
+          </p:cNvPr>
+          <p:cNvPicPr>
+            <a:picLocks noChangeAspect="1"/>
+          </p:cNvPicPr>
+          <p:nvPr/>
+        </p:nvPicPr>
+        <p:blipFill>
+          <a:blip r:embed="rId2"/>
+          <a:stretch>
+            <a:fillRect/>
+          </a:stretch>
+        </p:blipFill>
+        <p:spPr>
+          <a:xfrm>
+            <a:off x="321607" y="0"/>
+            <a:ext cx="11548785" cy="6858000"/>
+          </a:xfrm>
+          <a:prstGeom prst="rect">
+            <a:avLst/>
+          </a:prstGeom>
+        </p:spPr>
+      </p:pic>
+    </p:spTree>
+    <p:extLst>
+      <p:ext uri="{BB962C8B-B14F-4D97-AF65-F5344CB8AC3E}">
+        <p14:creationId xmlns:p14="http://schemas.microsoft.com/office/powerpoint/2010/main" val="1733695353"/>
+      </p:ext>
+    </p:extLst>
+  </p:cSld>
+  <p:clrMapOvr>
+    <a:masterClrMapping/>
+  </p:clrMapOvr>
+</p:sld>
+</file>
+
+<file path=ppt/slides/slide7.xml><?xml version="1.0" encoding="utf-8"?>
+<p:sld xmlns:a="http://schemas.openxmlformats.org/drawingml/2006/main" xmlns:r="http://schemas.openxmlformats.org/officeDocument/2006/relationships" xmlns:p="http://schemas.openxmlformats.org/presentationml/2006/main">
+  <p:cSld>
+    <p:spTree>
+      <p:nvGrpSpPr>
+        <p:cNvPr id="1" name=""/>
+        <p:cNvGrpSpPr/>
+        <p:nvPr/>
+      </p:nvGrpSpPr>
+      <p:grpSpPr>
+        <a:xfrm>
+          <a:off x="0" y="0"/>
+          <a:ext cx="0" cy="0"/>
+          <a:chOff x="0" y="0"/>
+          <a:chExt cx="0" cy="0"/>
+        </a:xfrm>
+      </p:grpSpPr>
+      <p:pic>
+        <p:nvPicPr>
+          <p:cNvPr id="4" name="Picture 3">
+            <a:extLst>
+              <a:ext uri="{FF2B5EF4-FFF2-40B4-BE49-F238E27FC236}">
+                <a16:creationId xmlns:a16="http://schemas.microsoft.com/office/drawing/2014/main" id="{11BA52F2-4315-4305-9814-630C46B66500}"/>
+              </a:ext>
+            </a:extLst>
+          </p:cNvPr>
+          <p:cNvPicPr>
+            <a:picLocks noChangeAspect="1"/>
+          </p:cNvPicPr>
+          <p:nvPr/>
+        </p:nvPicPr>
+        <p:blipFill>
+          <a:blip r:embed="rId2"/>
+          <a:stretch>
+            <a:fillRect/>
+          </a:stretch>
+        </p:blipFill>
+        <p:spPr>
+          <a:xfrm>
+            <a:off x="321607" y="0"/>
+            <a:ext cx="11548785" cy="6858000"/>
+          </a:xfrm>
+          <a:prstGeom prst="rect">
+            <a:avLst/>
+          </a:prstGeom>
+        </p:spPr>
+      </p:pic>
+    </p:spTree>
+    <p:extLst>
+      <p:ext uri="{BB962C8B-B14F-4D97-AF65-F5344CB8AC3E}">
+        <p14:creationId xmlns:p14="http://schemas.microsoft.com/office/powerpoint/2010/main" val="3987887578"/>
+      </p:ext>
+    </p:extLst>
+  </p:cSld>
+  <p:clrMapOvr>
+    <a:masterClrMapping/>
+  </p:clrMapOvr>
+</p:sld>
+</file>
+
+<file path=ppt/slides/slide8.xml><?xml version="1.0" encoding="utf-8"?>
+<p:sld xmlns:a="http://schemas.openxmlformats.org/drawingml/2006/main" xmlns:r="http://schemas.openxmlformats.org/officeDocument/2006/relationships" xmlns:p="http://schemas.openxmlformats.org/presentationml/2006/main">
+  <p:cSld>
+    <p:spTree>
+      <p:nvGrpSpPr>
+        <p:cNvPr id="1" name=""/>
+        <p:cNvGrpSpPr/>
+        <p:nvPr/>
+      </p:nvGrpSpPr>
+      <p:grpSpPr>
+        <a:xfrm>
+          <a:off x="0" y="0"/>
+          <a:ext cx="0" cy="0"/>
+          <a:chOff x="0" y="0"/>
+          <a:chExt cx="0" cy="0"/>
+        </a:xfrm>
+      </p:grpSpPr>
+      <p:pic>
+        <p:nvPicPr>
+          <p:cNvPr id="4" name="Content Placeholder 3">
+            <a:extLst>
+              <a:ext uri="{FF2B5EF4-FFF2-40B4-BE49-F238E27FC236}">
+                <a16:creationId xmlns:a16="http://schemas.microsoft.com/office/drawing/2014/main" id="{B7EF180A-3AB2-4A96-B26B-8ECE181BE7EB}"/>
+              </a:ext>
+            </a:extLst>
+          </p:cNvPr>
+          <p:cNvPicPr>
+            <a:picLocks noGrp="1" noChangeAspect="1"/>
+          </p:cNvPicPr>
+          <p:nvPr>
+            <p:ph idx="1"/>
+          </p:nvPr>
+        </p:nvPicPr>
+        <p:blipFill>
+          <a:blip r:embed="rId2"/>
+          <a:stretch>
+            <a:fillRect/>
+          </a:stretch>
+        </p:blipFill>
+        <p:spPr>
+          <a:xfrm>
+            <a:off x="4278227" y="0"/>
+            <a:ext cx="5314950" cy="6856286"/>
+          </a:xfrm>
+          <a:prstGeom prst="rect">
+            <a:avLst/>
+          </a:prstGeom>
+        </p:spPr>
+      </p:pic>
+      <p:sp>
+        <p:nvSpPr>
+          <p:cNvPr id="5" name="TextBox 4">
+            <a:extLst>
+              <a:ext uri="{FF2B5EF4-FFF2-40B4-BE49-F238E27FC236}">
+                <a16:creationId xmlns:a16="http://schemas.microsoft.com/office/drawing/2014/main" id="{FCD98074-A917-4B7F-98C0-2C47B252F6E8}"/>
               </a:ext>
             </a:extLst>
           </p:cNvPr>
@@ -4530,8 +5231,8 @@
         </p:nvSpPr>
         <p:spPr>
           <a:xfrm>
-            <a:off x="2165684" y="894347"/>
-            <a:ext cx="4527013" cy="923330"/>
+            <a:off x="561713" y="2336635"/>
+            <a:ext cx="6315337" cy="707886"/>
           </a:xfrm>
           <a:prstGeom prst="rect">
             <a:avLst/>
@@ -4545,63 +5246,112 @@
           <a:lstStyle/>
           <a:p>
             <a:r>
-              <a:rPr lang="en-US" sz="5400" dirty="0"/>
-              <a:t>Open Redirects </a:t>
-            </a:r>
-          </a:p>
-        </p:txBody>
-      </p:sp>
+              <a:rPr lang="en-US" sz="4000" dirty="0"/>
+              <a:t>Evolution</a:t>
+            </a:r>
+          </a:p>
+        </p:txBody>
+      </p:sp>
+    </p:spTree>
+    <p:extLst>
+      <p:ext uri="{BB962C8B-B14F-4D97-AF65-F5344CB8AC3E}">
+        <p14:creationId xmlns:p14="http://schemas.microsoft.com/office/powerpoint/2010/main" val="835234786"/>
+      </p:ext>
+    </p:extLst>
+  </p:cSld>
+  <p:clrMapOvr>
+    <a:masterClrMapping/>
+  </p:clrMapOvr>
+</p:sld>
+</file>
+
+<file path=ppt/slides/slide9.xml><?xml version="1.0" encoding="utf-8"?>
+<p:sld xmlns:a="http://schemas.openxmlformats.org/drawingml/2006/main" xmlns:r="http://schemas.openxmlformats.org/officeDocument/2006/relationships" xmlns:p="http://schemas.openxmlformats.org/presentationml/2006/main">
+  <p:cSld>
+    <p:spTree>
+      <p:nvGrpSpPr>
+        <p:cNvPr id="1" name=""/>
+        <p:cNvGrpSpPr/>
+        <p:nvPr/>
+      </p:nvGrpSpPr>
+      <p:grpSpPr>
+        <a:xfrm>
+          <a:off x="0" y="0"/>
+          <a:ext cx="0" cy="0"/>
+          <a:chOff x="0" y="0"/>
+          <a:chExt cx="0" cy="0"/>
+        </a:xfrm>
+      </p:grpSpPr>
       <p:pic>
         <p:nvPicPr>
-          <p:cNvPr id="5122" name="Picture 2">
-            <a:extLst>
-              <a:ext uri="{FF2B5EF4-FFF2-40B4-BE49-F238E27FC236}">
-                <a16:creationId xmlns:a16="http://schemas.microsoft.com/office/drawing/2014/main" id="{F438E772-9060-4DE3-815C-46D0A171CB9C}"/>
+          <p:cNvPr id="4" name="Picture 3">
+            <a:extLst>
+              <a:ext uri="{FF2B5EF4-FFF2-40B4-BE49-F238E27FC236}">
+                <a16:creationId xmlns:a16="http://schemas.microsoft.com/office/drawing/2014/main" id="{E0BB0CDA-9367-43BB-B770-651B61E52149}"/>
               </a:ext>
             </a:extLst>
           </p:cNvPr>
           <p:cNvPicPr>
-            <a:picLocks noChangeAspect="1" noChangeArrowheads="1"/>
+            <a:picLocks noChangeAspect="1"/>
           </p:cNvPicPr>
           <p:nvPr/>
         </p:nvPicPr>
         <p:blipFill>
-          <a:blip r:embed="rId2">
-            <a:extLst>
-              <a:ext uri="{28A0092B-C50C-407E-A947-70E740481C1C}">
-                <a14:useLocalDpi xmlns:a14="http://schemas.microsoft.com/office/drawing/2010/main" val="0"/>
-              </a:ext>
-            </a:extLst>
-          </a:blip>
-          <a:srcRect/>
+          <a:blip r:embed="rId2"/>
           <a:stretch>
             <a:fillRect/>
           </a:stretch>
         </p:blipFill>
-        <p:spPr bwMode="auto">
+        <p:spPr>
           <a:xfrm>
-            <a:off x="3596422" y="2374232"/>
-            <a:ext cx="6979174" cy="4106027"/>
+            <a:off x="3694784" y="0"/>
+            <a:ext cx="7980218" cy="6858000"/>
+          </a:xfrm>
+          <a:prstGeom prst="rect">
+            <a:avLst/>
+          </a:prstGeom>
+        </p:spPr>
+      </p:pic>
+      <p:sp>
+        <p:nvSpPr>
+          <p:cNvPr id="5" name="TextBox 4">
+            <a:extLst>
+              <a:ext uri="{FF2B5EF4-FFF2-40B4-BE49-F238E27FC236}">
+                <a16:creationId xmlns:a16="http://schemas.microsoft.com/office/drawing/2014/main" id="{2DCCAE45-BBCE-41D3-8667-5AD679BC3022}"/>
+              </a:ext>
+            </a:extLst>
+          </p:cNvPr>
+          <p:cNvSpPr txBox="1"/>
+          <p:nvPr/>
+        </p:nvSpPr>
+        <p:spPr>
+          <a:xfrm>
+            <a:off x="546621" y="2875402"/>
+            <a:ext cx="2648270" cy="707886"/>
           </a:xfrm>
           <a:prstGeom prst="rect">
             <a:avLst/>
           </a:prstGeom>
           <a:noFill/>
-          <a:extLst>
-            <a:ext uri="{909E8E84-426E-40DD-AFC4-6F175D3DCCD1}">
-              <a14:hiddenFill xmlns:a14="http://schemas.microsoft.com/office/drawing/2010/main">
-                <a:solidFill>
-                  <a:srgbClr val="FFFFFF"/>
-                </a:solidFill>
-              </a14:hiddenFill>
-            </a:ext>
-          </a:extLst>
         </p:spPr>
-      </p:pic>
+        <p:txBody>
+          <a:bodyPr wrap="square" rtlCol="0">
+            <a:spAutoFit/>
+          </a:bodyPr>
+          <a:lstStyle/>
+          <a:p>
+            <a:pPr algn="ctr"/>
+            <a:r>
+              <a:rPr lang="en-US" sz="4000" dirty="0"/>
+              <a:t>DOM APIs</a:t>
+            </a:r>
+          </a:p>
+        </p:txBody>
+      </p:sp>
     </p:spTree>
     <p:extLst>
       <p:ext uri="{BB962C8B-B14F-4D97-AF65-F5344CB8AC3E}">
-        <p14:creationId xmlns:p14="http://schemas.microsoft.com/office/powerpoint/2010/main" val="1565296409"/>
+        <p14:creationId xmlns:p14="http://schemas.microsoft.com/office/powerpoint/2010/main" val="1150810397"/>
       </p:ext>
     </p:extLst>
   </p:cSld>
@@ -5202,6 +5952,21 @@
 </file>
 
 <file path=customXml/item1.xml><?xml version="1.0" encoding="utf-8"?>
+<p:properties xmlns:p="http://schemas.microsoft.com/office/2006/metadata/properties" xmlns:xsi="http://www.w3.org/2001/XMLSchema-instance" xmlns:pc="http://schemas.microsoft.com/office/infopath/2007/PartnerControls">
+  <documentManagement/>
+</p:properties>
+</file>
+
+<file path=customXml/item2.xml><?xml version="1.0" encoding="utf-8"?>
+<?mso-contentType ?>
+<FormTemplates xmlns="http://schemas.microsoft.com/sharepoint/v3/contenttype/forms">
+  <Display>DocumentLibraryForm</Display>
+  <Edit>DocumentLibraryForm</Edit>
+  <New>DocumentLibraryForm</New>
+</FormTemplates>
+</file>
+
+<file path=customXml/item3.xml><?xml version="1.0" encoding="utf-8"?>
 <ct:contentTypeSchema xmlns:ct="http://schemas.microsoft.com/office/2006/metadata/contentType" xmlns:ma="http://schemas.microsoft.com/office/2006/metadata/properties/metaAttributes" ct:_="" ma:_="" ma:contentTypeName="Document" ma:contentTypeID="0x01010061424A032E68894BAFC1F570B3141BD2" ma:contentTypeVersion="11" ma:contentTypeDescription="Create a new document." ma:contentTypeScope="" ma:versionID="ed9d5463ba6e29e526ededb1fc8069db">
   <xsd:schema xmlns:xsd="http://www.w3.org/2001/XMLSchema" xmlns:xs="http://www.w3.org/2001/XMLSchema" xmlns:p="http://schemas.microsoft.com/office/2006/metadata/properties" xmlns:ns3="e7ebd49b-2960-4910-8ff2-687c70418add" xmlns:ns4="1570ebaf-e3d2-417c-8169-c82604e74181" targetNamespace="http://schemas.microsoft.com/office/2006/metadata/properties" ma:root="true" ma:fieldsID="f04688bcc9331edcc736403ab89a2fd8" ns3:_="" ns4:_="">
     <xsd:import namespace="e7ebd49b-2960-4910-8ff2-687c70418add"/>
@@ -5412,22 +6177,32 @@
 </ct:contentTypeSchema>
 </file>
 
-<file path=customXml/item2.xml><?xml version="1.0" encoding="utf-8"?>
-<?mso-contentType ?>
-<FormTemplates xmlns="http://schemas.microsoft.com/sharepoint/v3/contenttype/forms">
-  <Display>DocumentLibraryForm</Display>
-  <Edit>DocumentLibraryForm</Edit>
-  <New>DocumentLibraryForm</New>
-</FormTemplates>
+<file path=customXml/itemProps1.xml><?xml version="1.0" encoding="utf-8"?>
+<ds:datastoreItem xmlns:ds="http://schemas.openxmlformats.org/officeDocument/2006/customXml" ds:itemID="{B9BE0E3B-2C6B-4808-9E5C-F7A544760E3F}">
+  <ds:schemaRefs>
+    <ds:schemaRef ds:uri="http://purl.org/dc/terms/"/>
+    <ds:schemaRef ds:uri="http://purl.org/dc/dcmitype/"/>
+    <ds:schemaRef ds:uri="e7ebd49b-2960-4910-8ff2-687c70418add"/>
+    <ds:schemaRef ds:uri="http://purl.org/dc/elements/1.1/"/>
+    <ds:schemaRef ds:uri="http://schemas.microsoft.com/office/infopath/2007/PartnerControls"/>
+    <ds:schemaRef ds:uri="http://schemas.microsoft.com/office/2006/documentManagement/types"/>
+    <ds:schemaRef ds:uri="1570ebaf-e3d2-417c-8169-c82604e74181"/>
+    <ds:schemaRef ds:uri="http://schemas.openxmlformats.org/package/2006/metadata/core-properties"/>
+    <ds:schemaRef ds:uri="http://schemas.microsoft.com/office/2006/metadata/properties"/>
+    <ds:schemaRef ds:uri="http://www.w3.org/XML/1998/namespace"/>
+  </ds:schemaRefs>
+</ds:datastoreItem>
 </file>
 
-<file path=customXml/item3.xml><?xml version="1.0" encoding="utf-8"?>
-<p:properties xmlns:p="http://schemas.microsoft.com/office/2006/metadata/properties" xmlns:xsi="http://www.w3.org/2001/XMLSchema-instance" xmlns:pc="http://schemas.microsoft.com/office/infopath/2007/PartnerControls">
-  <documentManagement/>
-</p:properties>
+<file path=customXml/itemProps2.xml><?xml version="1.0" encoding="utf-8"?>
+<ds:datastoreItem xmlns:ds="http://schemas.openxmlformats.org/officeDocument/2006/customXml" ds:itemID="{4DA44D19-D846-4450-9902-A3F090D6558C}">
+  <ds:schemaRefs>
+    <ds:schemaRef ds:uri="http://schemas.microsoft.com/sharepoint/v3/contenttype/forms"/>
+  </ds:schemaRefs>
+</ds:datastoreItem>
 </file>
 
-<file path=customXml/itemProps1.xml><?xml version="1.0" encoding="utf-8"?>
+<file path=customXml/itemProps3.xml><?xml version="1.0" encoding="utf-8"?>
 <ds:datastoreItem xmlns:ds="http://schemas.openxmlformats.org/officeDocument/2006/customXml" ds:itemID="{7604F0DC-58F5-450F-BE44-7EEA80798842}">
   <ds:schemaRefs>
     <ds:schemaRef ds:uri="http://schemas.microsoft.com/office/2006/metadata/contentType"/>
@@ -5444,29 +6219,4 @@
     <ds:schemaRef ds:uri="http://schemas.microsoft.com/internal/obd"/>
   </ds:schemaRefs>
 </ds:datastoreItem>
-</file>
-
-<file path=customXml/itemProps2.xml><?xml version="1.0" encoding="utf-8"?>
-<ds:datastoreItem xmlns:ds="http://schemas.openxmlformats.org/officeDocument/2006/customXml" ds:itemID="{4DA44D19-D846-4450-9902-A3F090D6558C}">
-  <ds:schemaRefs>
-    <ds:schemaRef ds:uri="http://schemas.microsoft.com/sharepoint/v3/contenttype/forms"/>
-  </ds:schemaRefs>
-</ds:datastoreItem>
-</file>
-
-<file path=customXml/itemProps3.xml><?xml version="1.0" encoding="utf-8"?>
-<ds:datastoreItem xmlns:ds="http://schemas.openxmlformats.org/officeDocument/2006/customXml" ds:itemID="{B9BE0E3B-2C6B-4808-9E5C-F7A544760E3F}">
-  <ds:schemaRefs>
-    <ds:schemaRef ds:uri="http://purl.org/dc/terms/"/>
-    <ds:schemaRef ds:uri="http://purl.org/dc/dcmitype/"/>
-    <ds:schemaRef ds:uri="e7ebd49b-2960-4910-8ff2-687c70418add"/>
-    <ds:schemaRef ds:uri="http://purl.org/dc/elements/1.1/"/>
-    <ds:schemaRef ds:uri="http://schemas.microsoft.com/office/infopath/2007/PartnerControls"/>
-    <ds:schemaRef ds:uri="http://schemas.microsoft.com/office/2006/documentManagement/types"/>
-    <ds:schemaRef ds:uri="1570ebaf-e3d2-417c-8169-c82604e74181"/>
-    <ds:schemaRef ds:uri="http://schemas.openxmlformats.org/package/2006/metadata/core-properties"/>
-    <ds:schemaRef ds:uri="http://schemas.microsoft.com/office/2006/metadata/properties"/>
-    <ds:schemaRef ds:uri="http://www.w3.org/XML/1998/namespace"/>
-  </ds:schemaRefs>
-</ds:datastoreItem>
 </file>